--- a/算法竞赛ppt/000_介绍.pptx
+++ b/算法竞赛ppt/000_介绍.pptx
@@ -13360,7 +13360,7 @@
           </a:bodyPr>
           <a:lstStyle/>
           <a:p>
-            <a:pPr marL="0" marR="0" lvl="0" indent="0" defTabSz="914400" rtl="0" eaLnBrk="0" fontAlgn="base" latinLnBrk="0" hangingPunct="0">
+            <a:pPr marR="0" lvl="0" defTabSz="914400" rtl="0" eaLnBrk="0" fontAlgn="base" latinLnBrk="0" hangingPunct="0">
               <a:spcBef>
                 <a:spcPct val="0"/>
               </a:spcBef>
@@ -13369,8 +13369,8 @@
               </a:spcAft>
               <a:buClrTx/>
               <a:buSzTx/>
-              <a:buFontTx/>
-              <a:buChar char="•"/>
+              <a:buFont typeface="Wingdings" panose="05000000000000000000" pitchFamily="2" charset="2"/>
+              <a:buChar char="l"/>
               <a:tabLst/>
             </a:pPr>
             <a:r>
@@ -13647,29 +13647,16 @@
             </a:endParaRPr>
           </a:p>
           <a:p>
-            <a:pPr marL="0" marR="0" lvl="0" indent="0" defTabSz="914400" rtl="0" eaLnBrk="0" fontAlgn="base" latinLnBrk="0" hangingPunct="0">
+            <a:pPr eaLnBrk="0" fontAlgn="base" hangingPunct="0">
               <a:spcBef>
                 <a:spcPct val="0"/>
               </a:spcBef>
               <a:spcAft>
                 <a:spcPts val="600"/>
               </a:spcAft>
-              <a:buClrTx/>
-              <a:buSzTx/>
-              <a:buFontTx/>
-              <a:buChar char="•"/>
-              <a:tabLst/>
+              <a:buFont typeface="Wingdings" panose="05000000000000000000" pitchFamily="2" charset="2"/>
+              <a:buChar char="l"/>
             </a:pPr>
-            <a:r>
-              <a:rPr kumimoji="0" lang="en-US" altLang="zh-CN" sz="1500" b="1" i="0" u="none" strike="noStrike" cap="none" normalizeH="0" baseline="0" dirty="0">
-                <a:ln>
-                  <a:noFill/>
-                </a:ln>
-                <a:effectLst/>
-                <a:latin typeface="Arial Unicode MS"/>
-              </a:rPr>
-              <a:t>·</a:t>
-            </a:r>
             <a:r>
               <a:rPr kumimoji="0" lang="zh-CN" altLang="zh-CN" sz="1500" b="1" i="0" u="none" strike="noStrike" cap="none" normalizeH="0" baseline="0" dirty="0">
                 <a:ln>
@@ -14009,6 +13996,8 @@
               <a:spcAft>
                 <a:spcPts val="600"/>
               </a:spcAft>
+              <a:buFont typeface="Wingdings" panose="05000000000000000000" pitchFamily="2" charset="2"/>
+              <a:buChar char="l"/>
             </a:pPr>
             <a:r>
               <a:rPr lang="en-US" altLang="zh-CN" sz="1500" b="1" dirty="0">
@@ -14404,7 +14393,7 @@
           <a:lstStyle/>
           <a:p>
             <a:r>
-              <a:rPr lang="en-US" altLang="zh-CN" b="1">
+              <a:rPr lang="en-US" altLang="zh-CN" b="1" dirty="0">
                 <a:solidFill>
                   <a:srgbClr val="FFFFFF"/>
                 </a:solidFill>
@@ -14412,15 +14401,15 @@
               <a:t>Debug</a:t>
             </a:r>
             <a:r>
-              <a:rPr lang="zh-CN" altLang="en-US" b="1">
+              <a:rPr lang="zh-CN" altLang="en-US" b="1" dirty="0">
                 <a:solidFill>
                   <a:srgbClr val="FFFFFF"/>
                 </a:solidFill>
               </a:rPr>
-              <a:t>选择（</a:t>
-            </a:r>
-            <a:r>
-              <a:rPr lang="en-US" altLang="zh-CN" b="1">
+              <a:t>运行的选择（</a:t>
+            </a:r>
+            <a:r>
+              <a:rPr lang="en-US" altLang="zh-CN" b="1" dirty="0">
                 <a:solidFill>
                   <a:srgbClr val="FFFFFF"/>
                 </a:solidFill>
@@ -14428,7 +14417,7 @@
               <a:t>2</a:t>
             </a:r>
             <a:r>
-              <a:rPr lang="zh-CN" altLang="en-US" b="1">
+              <a:rPr lang="zh-CN" altLang="en-US" b="1" dirty="0">
                 <a:solidFill>
                   <a:srgbClr val="FFFFFF"/>
                 </a:solidFill>
@@ -14527,6 +14516,10 @@
           </a:bodyPr>
           <a:lstStyle/>
           <a:p>
+            <a:pPr>
+              <a:buFont typeface="Wingdings" panose="05000000000000000000" pitchFamily="2" charset="2"/>
+              <a:buChar char="l"/>
+            </a:pPr>
             <a:r>
               <a:rPr lang="en-US" altLang="zh-CN" sz="1300" b="1" dirty="0"/>
               <a:t>Go</a:t>
@@ -14630,6 +14623,10 @@
             <a:endParaRPr lang="en-US" altLang="zh-CN" sz="1700" dirty="0"/>
           </a:p>
           <a:p>
+            <a:pPr>
+              <a:buFont typeface="Wingdings" panose="05000000000000000000" pitchFamily="2" charset="2"/>
+              <a:buChar char="l"/>
+            </a:pPr>
             <a:r>
               <a:rPr lang="en-US" altLang="zh-CN" sz="1200" b="1" dirty="0"/>
               <a:t>Quit</a:t>
@@ -17106,11 +17103,11 @@
           <a:lstStyle/>
           <a:p>
             <a:r>
-              <a:rPr lang="en-US" altLang="zh-CN" sz="4000"/>
+              <a:rPr lang="en-US" altLang="zh-CN" sz="4000" dirty="0"/>
               <a:t>6.</a:t>
             </a:r>
             <a:r>
-              <a:rPr lang="zh-CN" altLang="en-US" sz="4000"/>
+              <a:rPr lang="zh-CN" altLang="en-US" sz="4000" dirty="0"/>
               <a:t>参加的主要比赛</a:t>
             </a:r>
           </a:p>
